--- a/App Sketch.pptx
+++ b/App Sketch.pptx
@@ -109,6 +109,11 @@
       </a:defRPr>
     </a:lvl9pPr>
   </p:defaultTextStyle>
+  <p:extLst>
+    <p:ext uri="{EFAFB233-063F-42B5-8137-9DF3F51BA10A}">
+      <p15:sldGuideLst xmlns:p15="http://schemas.microsoft.com/office/powerpoint/2012/main"/>
+    </p:ext>
+  </p:extLst>
 </p:presentation>
 </file>
 
@@ -261,7 +266,7 @@
           <a:p>
             <a:fld id="{04E2AE80-B18C-4D06-ABDA-DC0F87833C6F}" type="datetimeFigureOut">
               <a:rPr lang="en-CA" smtClean="0"/>
-              <a:t>2025-03-10</a:t>
+              <a:t>2025-03-21</a:t>
             </a:fld>
             <a:endParaRPr lang="en-CA"/>
           </a:p>
@@ -461,7 +466,7 @@
           <a:p>
             <a:fld id="{04E2AE80-B18C-4D06-ABDA-DC0F87833C6F}" type="datetimeFigureOut">
               <a:rPr lang="en-CA" smtClean="0"/>
-              <a:t>2025-03-10</a:t>
+              <a:t>2025-03-21</a:t>
             </a:fld>
             <a:endParaRPr lang="en-CA"/>
           </a:p>
@@ -671,7 +676,7 @@
           <a:p>
             <a:fld id="{04E2AE80-B18C-4D06-ABDA-DC0F87833C6F}" type="datetimeFigureOut">
               <a:rPr lang="en-CA" smtClean="0"/>
-              <a:t>2025-03-10</a:t>
+              <a:t>2025-03-21</a:t>
             </a:fld>
             <a:endParaRPr lang="en-CA"/>
           </a:p>
@@ -871,7 +876,7 @@
           <a:p>
             <a:fld id="{04E2AE80-B18C-4D06-ABDA-DC0F87833C6F}" type="datetimeFigureOut">
               <a:rPr lang="en-CA" smtClean="0"/>
-              <a:t>2025-03-10</a:t>
+              <a:t>2025-03-21</a:t>
             </a:fld>
             <a:endParaRPr lang="en-CA"/>
           </a:p>
@@ -1147,7 +1152,7 @@
           <a:p>
             <a:fld id="{04E2AE80-B18C-4D06-ABDA-DC0F87833C6F}" type="datetimeFigureOut">
               <a:rPr lang="en-CA" smtClean="0"/>
-              <a:t>2025-03-10</a:t>
+              <a:t>2025-03-21</a:t>
             </a:fld>
             <a:endParaRPr lang="en-CA"/>
           </a:p>
@@ -1415,7 +1420,7 @@
           <a:p>
             <a:fld id="{04E2AE80-B18C-4D06-ABDA-DC0F87833C6F}" type="datetimeFigureOut">
               <a:rPr lang="en-CA" smtClean="0"/>
-              <a:t>2025-03-10</a:t>
+              <a:t>2025-03-21</a:t>
             </a:fld>
             <a:endParaRPr lang="en-CA"/>
           </a:p>
@@ -1830,7 +1835,7 @@
           <a:p>
             <a:fld id="{04E2AE80-B18C-4D06-ABDA-DC0F87833C6F}" type="datetimeFigureOut">
               <a:rPr lang="en-CA" smtClean="0"/>
-              <a:t>2025-03-10</a:t>
+              <a:t>2025-03-21</a:t>
             </a:fld>
             <a:endParaRPr lang="en-CA"/>
           </a:p>
@@ -1972,7 +1977,7 @@
           <a:p>
             <a:fld id="{04E2AE80-B18C-4D06-ABDA-DC0F87833C6F}" type="datetimeFigureOut">
               <a:rPr lang="en-CA" smtClean="0"/>
-              <a:t>2025-03-10</a:t>
+              <a:t>2025-03-21</a:t>
             </a:fld>
             <a:endParaRPr lang="en-CA"/>
           </a:p>
@@ -2085,7 +2090,7 @@
           <a:p>
             <a:fld id="{04E2AE80-B18C-4D06-ABDA-DC0F87833C6F}" type="datetimeFigureOut">
               <a:rPr lang="en-CA" smtClean="0"/>
-              <a:t>2025-03-10</a:t>
+              <a:t>2025-03-21</a:t>
             </a:fld>
             <a:endParaRPr lang="en-CA"/>
           </a:p>
@@ -2398,7 +2403,7 @@
           <a:p>
             <a:fld id="{04E2AE80-B18C-4D06-ABDA-DC0F87833C6F}" type="datetimeFigureOut">
               <a:rPr lang="en-CA" smtClean="0"/>
-              <a:t>2025-03-10</a:t>
+              <a:t>2025-03-21</a:t>
             </a:fld>
             <a:endParaRPr lang="en-CA"/>
           </a:p>
@@ -2687,7 +2692,7 @@
           <a:p>
             <a:fld id="{04E2AE80-B18C-4D06-ABDA-DC0F87833C6F}" type="datetimeFigureOut">
               <a:rPr lang="en-CA" smtClean="0"/>
-              <a:t>2025-03-10</a:t>
+              <a:t>2025-03-21</a:t>
             </a:fld>
             <a:endParaRPr lang="en-CA"/>
           </a:p>
@@ -2930,7 +2935,7 @@
           <a:p>
             <a:fld id="{04E2AE80-B18C-4D06-ABDA-DC0F87833C6F}" type="datetimeFigureOut">
               <a:rPr lang="en-CA" smtClean="0"/>
-              <a:t>2025-03-10</a:t>
+              <a:t>2025-03-21</a:t>
             </a:fld>
             <a:endParaRPr lang="en-CA"/>
           </a:p>
@@ -3867,7 +3872,7 @@
         </p:nvSpPr>
         <p:spPr>
           <a:xfrm>
-            <a:off x="4162426" y="2205041"/>
+            <a:off x="4202908" y="4136236"/>
             <a:ext cx="1285876" cy="514350"/>
           </a:xfrm>
           <a:prstGeom prst="chevron">
@@ -3925,7 +3930,7 @@
         </p:nvSpPr>
         <p:spPr>
           <a:xfrm>
-            <a:off x="4162426" y="3307558"/>
+            <a:off x="3938587" y="2062463"/>
             <a:ext cx="1285876" cy="514350"/>
           </a:xfrm>
           <a:prstGeom prst="chevron">
@@ -4076,9 +4081,9 @@
           <p:nvPr/>
         </p:nvCxnSpPr>
         <p:spPr>
-          <a:xfrm flipV="1">
-            <a:off x="3433762" y="2462216"/>
-            <a:ext cx="985839" cy="569713"/>
+          <a:xfrm>
+            <a:off x="3551634" y="3050383"/>
+            <a:ext cx="908449" cy="1343028"/>
           </a:xfrm>
           <a:prstGeom prst="straightConnector1">
             <a:avLst/>
@@ -4116,14 +4121,15 @@
           </p:cNvPr>
           <p:cNvCxnSpPr>
             <a:cxnSpLocks/>
+            <a:stCxn id="7" idx="3"/>
             <a:endCxn id="9" idx="1"/>
           </p:cNvCxnSpPr>
           <p:nvPr/>
         </p:nvCxnSpPr>
         <p:spPr>
-          <a:xfrm>
-            <a:off x="3438528" y="3031929"/>
-            <a:ext cx="981073" cy="532804"/>
+          <a:xfrm flipV="1">
+            <a:off x="3524252" y="2319638"/>
+            <a:ext cx="671510" cy="693837"/>
           </a:xfrm>
           <a:prstGeom prst="straightConnector1">
             <a:avLst/>
@@ -4164,7 +4170,7 @@
         </p:nvSpPr>
         <p:spPr>
           <a:xfrm>
-            <a:off x="6343651" y="3307558"/>
+            <a:off x="9805982" y="2062463"/>
             <a:ext cx="1285876" cy="514350"/>
           </a:xfrm>
           <a:prstGeom prst="rect">
@@ -4217,7 +4223,7 @@
         </p:nvCxnSpPr>
         <p:spPr>
           <a:xfrm>
-            <a:off x="5414965" y="3564733"/>
+            <a:off x="8877296" y="2319638"/>
             <a:ext cx="928686" cy="0"/>
           </a:xfrm>
           <a:prstGeom prst="straightConnector1">
@@ -4257,13 +4263,14 @@
           <p:cNvCxnSpPr>
             <a:cxnSpLocks/>
             <a:stCxn id="9" idx="2"/>
+            <a:endCxn id="13" idx="0"/>
           </p:cNvCxnSpPr>
           <p:nvPr/>
         </p:nvCxnSpPr>
         <p:spPr>
           <a:xfrm>
-            <a:off x="4676777" y="3821908"/>
-            <a:ext cx="0" cy="771528"/>
+            <a:off x="4452938" y="2576813"/>
+            <a:ext cx="238129" cy="473570"/>
           </a:xfrm>
           <a:prstGeom prst="straightConnector1">
             <a:avLst/>
@@ -4304,7 +4311,7 @@
         </p:nvSpPr>
         <p:spPr>
           <a:xfrm>
-            <a:off x="4033839" y="4576768"/>
+            <a:off x="7641431" y="4281188"/>
             <a:ext cx="1285876" cy="514350"/>
           </a:xfrm>
           <a:prstGeom prst="rect">
@@ -4340,6 +4347,459 @@
           </a:p>
         </p:txBody>
       </p:sp>
+      <p:sp>
+        <p:nvSpPr>
+          <p:cNvPr id="13" name="Arrow: Chevron 12">
+            <a:extLst>
+              <a:ext uri="{FF2B5EF4-FFF2-40B4-BE49-F238E27FC236}">
+                <a16:creationId xmlns:a16="http://schemas.microsoft.com/office/drawing/2014/main" id="{A5CD4DA8-78E6-977B-F491-B660F10087EE}"/>
+              </a:ext>
+            </a:extLst>
+          </p:cNvPr>
+          <p:cNvSpPr/>
+          <p:nvPr/>
+        </p:nvSpPr>
+        <p:spPr>
+          <a:xfrm>
+            <a:off x="4176716" y="3050383"/>
+            <a:ext cx="1285876" cy="514350"/>
+          </a:xfrm>
+          <a:prstGeom prst="chevron">
+            <a:avLst/>
+          </a:prstGeom>
+        </p:spPr>
+        <p:style>
+          <a:lnRef idx="2">
+            <a:schemeClr val="accent1">
+              <a:shade val="15000"/>
+            </a:schemeClr>
+          </a:lnRef>
+          <a:fillRef idx="1">
+            <a:schemeClr val="accent1"/>
+          </a:fillRef>
+          <a:effectRef idx="0">
+            <a:schemeClr val="accent1"/>
+          </a:effectRef>
+          <a:fontRef idx="minor">
+            <a:schemeClr val="lt1"/>
+          </a:fontRef>
+        </p:style>
+        <p:txBody>
+          <a:bodyPr rtlCol="0" anchor="ctr"/>
+          <a:lstStyle/>
+          <a:p>
+            <a:pPr algn="ctr"/>
+            <a:r>
+              <a:rPr lang="en-US" dirty="0">
+                <a:solidFill>
+                  <a:schemeClr val="bg1"/>
+                </a:solidFill>
+              </a:rPr>
+              <a:t>Sample List</a:t>
+            </a:r>
+            <a:endParaRPr lang="en-CA" dirty="0">
+              <a:solidFill>
+                <a:schemeClr val="bg1"/>
+              </a:solidFill>
+            </a:endParaRPr>
+          </a:p>
+        </p:txBody>
+      </p:sp>
+      <p:sp>
+        <p:nvSpPr>
+          <p:cNvPr id="16" name="Arrow: Chevron 15">
+            <a:extLst>
+              <a:ext uri="{FF2B5EF4-FFF2-40B4-BE49-F238E27FC236}">
+                <a16:creationId xmlns:a16="http://schemas.microsoft.com/office/drawing/2014/main" id="{3A5ACA92-E316-958D-12B0-4B43F1596062}"/>
+              </a:ext>
+            </a:extLst>
+          </p:cNvPr>
+          <p:cNvSpPr/>
+          <p:nvPr/>
+        </p:nvSpPr>
+        <p:spPr>
+          <a:xfrm>
+            <a:off x="5462592" y="4132142"/>
+            <a:ext cx="1285876" cy="514350"/>
+          </a:xfrm>
+          <a:prstGeom prst="chevron">
+            <a:avLst/>
+          </a:prstGeom>
+          <a:solidFill>
+            <a:schemeClr val="accent6"/>
+          </a:solidFill>
+        </p:spPr>
+        <p:style>
+          <a:lnRef idx="2">
+            <a:schemeClr val="accent1">
+              <a:shade val="15000"/>
+            </a:schemeClr>
+          </a:lnRef>
+          <a:fillRef idx="1">
+            <a:schemeClr val="accent1"/>
+          </a:fillRef>
+          <a:effectRef idx="0">
+            <a:schemeClr val="accent1"/>
+          </a:effectRef>
+          <a:fontRef idx="minor">
+            <a:schemeClr val="lt1"/>
+          </a:fontRef>
+        </p:style>
+        <p:txBody>
+          <a:bodyPr rtlCol="0" anchor="ctr"/>
+          <a:lstStyle/>
+          <a:p>
+            <a:pPr algn="ctr"/>
+            <a:r>
+              <a:rPr lang="en-US" dirty="0" err="1">
+                <a:solidFill>
+                  <a:schemeClr val="bg1"/>
+                </a:solidFill>
+              </a:rPr>
+              <a:t>FilterGene</a:t>
+            </a:r>
+            <a:endParaRPr lang="en-CA" dirty="0">
+              <a:solidFill>
+                <a:schemeClr val="bg1"/>
+              </a:solidFill>
+            </a:endParaRPr>
+          </a:p>
+        </p:txBody>
+      </p:sp>
+      <p:sp>
+        <p:nvSpPr>
+          <p:cNvPr id="23" name="Arrow: Chevron 22">
+            <a:extLst>
+              <a:ext uri="{FF2B5EF4-FFF2-40B4-BE49-F238E27FC236}">
+                <a16:creationId xmlns:a16="http://schemas.microsoft.com/office/drawing/2014/main" id="{3CD41D60-30A7-9E67-DAB8-E82D34544615}"/>
+              </a:ext>
+            </a:extLst>
+          </p:cNvPr>
+          <p:cNvSpPr/>
+          <p:nvPr/>
+        </p:nvSpPr>
+        <p:spPr>
+          <a:xfrm>
+            <a:off x="5462592" y="3050383"/>
+            <a:ext cx="1285876" cy="514350"/>
+          </a:xfrm>
+          <a:prstGeom prst="chevron">
+            <a:avLst/>
+          </a:prstGeom>
+          <a:solidFill>
+            <a:schemeClr val="accent6"/>
+          </a:solidFill>
+        </p:spPr>
+        <p:style>
+          <a:lnRef idx="2">
+            <a:schemeClr val="accent1">
+              <a:shade val="15000"/>
+            </a:schemeClr>
+          </a:lnRef>
+          <a:fillRef idx="1">
+            <a:schemeClr val="accent1"/>
+          </a:fillRef>
+          <a:effectRef idx="0">
+            <a:schemeClr val="accent1"/>
+          </a:effectRef>
+          <a:fontRef idx="minor">
+            <a:schemeClr val="lt1"/>
+          </a:fontRef>
+        </p:style>
+        <p:txBody>
+          <a:bodyPr rtlCol="0" anchor="ctr"/>
+          <a:lstStyle/>
+          <a:p>
+            <a:pPr algn="ctr"/>
+            <a:r>
+              <a:rPr lang="en-US" dirty="0">
+                <a:solidFill>
+                  <a:schemeClr val="bg1"/>
+                </a:solidFill>
+              </a:rPr>
+              <a:t>Samp Filter</a:t>
+            </a:r>
+            <a:endParaRPr lang="en-CA" dirty="0">
+              <a:solidFill>
+                <a:schemeClr val="bg1"/>
+              </a:solidFill>
+            </a:endParaRPr>
+          </a:p>
+        </p:txBody>
+      </p:sp>
+      <p:cxnSp>
+        <p:nvCxnSpPr>
+          <p:cNvPr id="24" name="Straight Arrow Connector 23">
+            <a:extLst>
+              <a:ext uri="{FF2B5EF4-FFF2-40B4-BE49-F238E27FC236}">
+                <a16:creationId xmlns:a16="http://schemas.microsoft.com/office/drawing/2014/main" id="{E9E42D56-F8A3-F913-50DE-3D30618C3A16}"/>
+              </a:ext>
+            </a:extLst>
+          </p:cNvPr>
+          <p:cNvCxnSpPr>
+            <a:cxnSpLocks/>
+          </p:cNvCxnSpPr>
+          <p:nvPr/>
+        </p:nvCxnSpPr>
+        <p:spPr>
+          <a:xfrm>
+            <a:off x="5253031" y="2316668"/>
+            <a:ext cx="2614620" cy="2970"/>
+          </a:xfrm>
+          <a:prstGeom prst="straightConnector1">
+            <a:avLst/>
+          </a:prstGeom>
+          <a:ln w="57150">
+            <a:solidFill>
+              <a:srgbClr val="C00000"/>
+            </a:solidFill>
+            <a:tailEnd type="triangle"/>
+          </a:ln>
+        </p:spPr>
+        <p:style>
+          <a:lnRef idx="2">
+            <a:schemeClr val="accent1"/>
+          </a:lnRef>
+          <a:fillRef idx="0">
+            <a:schemeClr val="accent1"/>
+          </a:fillRef>
+          <a:effectRef idx="1">
+            <a:schemeClr val="accent1"/>
+          </a:effectRef>
+          <a:fontRef idx="minor">
+            <a:schemeClr val="tx1"/>
+          </a:fontRef>
+        </p:style>
+      </p:cxnSp>
+      <p:sp>
+        <p:nvSpPr>
+          <p:cNvPr id="26" name="Arrow: Chevron 25">
+            <a:extLst>
+              <a:ext uri="{FF2B5EF4-FFF2-40B4-BE49-F238E27FC236}">
+                <a16:creationId xmlns:a16="http://schemas.microsoft.com/office/drawing/2014/main" id="{9C6B0337-3624-C2FE-A802-1BD8FF1D4EFA}"/>
+              </a:ext>
+            </a:extLst>
+          </p:cNvPr>
+          <p:cNvSpPr/>
+          <p:nvPr/>
+        </p:nvSpPr>
+        <p:spPr>
+          <a:xfrm>
+            <a:off x="7634287" y="2062463"/>
+            <a:ext cx="1285876" cy="514350"/>
+          </a:xfrm>
+          <a:prstGeom prst="chevron">
+            <a:avLst/>
+          </a:prstGeom>
+        </p:spPr>
+        <p:style>
+          <a:lnRef idx="2">
+            <a:schemeClr val="accent1">
+              <a:shade val="15000"/>
+            </a:schemeClr>
+          </a:lnRef>
+          <a:fillRef idx="1">
+            <a:schemeClr val="accent1"/>
+          </a:fillRef>
+          <a:effectRef idx="0">
+            <a:schemeClr val="accent1"/>
+          </a:effectRef>
+          <a:fontRef idx="minor">
+            <a:schemeClr val="lt1"/>
+          </a:fontRef>
+        </p:style>
+        <p:txBody>
+          <a:bodyPr rtlCol="0" anchor="ctr"/>
+          <a:lstStyle/>
+          <a:p>
+            <a:pPr algn="ctr"/>
+            <a:r>
+              <a:rPr lang="en-US" dirty="0" err="1">
+                <a:solidFill>
+                  <a:schemeClr val="bg1"/>
+                </a:solidFill>
+              </a:rPr>
+              <a:t>FilterData</a:t>
+            </a:r>
+            <a:endParaRPr lang="en-CA" dirty="0">
+              <a:solidFill>
+                <a:schemeClr val="bg1"/>
+              </a:solidFill>
+            </a:endParaRPr>
+          </a:p>
+        </p:txBody>
+      </p:sp>
+      <p:cxnSp>
+        <p:nvCxnSpPr>
+          <p:cNvPr id="28" name="Straight Arrow Connector 27">
+            <a:extLst>
+              <a:ext uri="{FF2B5EF4-FFF2-40B4-BE49-F238E27FC236}">
+                <a16:creationId xmlns:a16="http://schemas.microsoft.com/office/drawing/2014/main" id="{65080C7D-417D-403D-5717-977B3A213B29}"/>
+              </a:ext>
+            </a:extLst>
+          </p:cNvPr>
+          <p:cNvCxnSpPr>
+            <a:cxnSpLocks/>
+            <a:endCxn id="26" idx="2"/>
+          </p:cNvCxnSpPr>
+          <p:nvPr/>
+        </p:nvCxnSpPr>
+        <p:spPr>
+          <a:xfrm flipV="1">
+            <a:off x="6748468" y="2576813"/>
+            <a:ext cx="1400170" cy="730745"/>
+          </a:xfrm>
+          <a:prstGeom prst="straightConnector1">
+            <a:avLst/>
+          </a:prstGeom>
+          <a:ln w="57150">
+            <a:solidFill>
+              <a:srgbClr val="C00000"/>
+            </a:solidFill>
+            <a:tailEnd type="triangle"/>
+          </a:ln>
+        </p:spPr>
+        <p:style>
+          <a:lnRef idx="2">
+            <a:schemeClr val="accent1"/>
+          </a:lnRef>
+          <a:fillRef idx="0">
+            <a:schemeClr val="accent1"/>
+          </a:fillRef>
+          <a:effectRef idx="1">
+            <a:schemeClr val="accent1"/>
+          </a:effectRef>
+          <a:fontRef idx="minor">
+            <a:schemeClr val="tx1"/>
+          </a:fontRef>
+        </p:style>
+      </p:cxnSp>
+      <p:cxnSp>
+        <p:nvCxnSpPr>
+          <p:cNvPr id="30" name="Straight Arrow Connector 29">
+            <a:extLst>
+              <a:ext uri="{FF2B5EF4-FFF2-40B4-BE49-F238E27FC236}">
+                <a16:creationId xmlns:a16="http://schemas.microsoft.com/office/drawing/2014/main" id="{8960B884-E7C1-36A7-78BA-93C80B297FB8}"/>
+              </a:ext>
+            </a:extLst>
+          </p:cNvPr>
+          <p:cNvCxnSpPr>
+            <a:cxnSpLocks/>
+            <a:endCxn id="26" idx="2"/>
+          </p:cNvCxnSpPr>
+          <p:nvPr/>
+        </p:nvCxnSpPr>
+        <p:spPr>
+          <a:xfrm flipV="1">
+            <a:off x="6748468" y="2576813"/>
+            <a:ext cx="1400170" cy="1812504"/>
+          </a:xfrm>
+          <a:prstGeom prst="straightConnector1">
+            <a:avLst/>
+          </a:prstGeom>
+          <a:ln w="57150">
+            <a:solidFill>
+              <a:srgbClr val="C00000"/>
+            </a:solidFill>
+            <a:tailEnd type="triangle"/>
+          </a:ln>
+        </p:spPr>
+        <p:style>
+          <a:lnRef idx="2">
+            <a:schemeClr val="accent1"/>
+          </a:lnRef>
+          <a:fillRef idx="0">
+            <a:schemeClr val="accent1"/>
+          </a:fillRef>
+          <a:effectRef idx="1">
+            <a:schemeClr val="accent1"/>
+          </a:effectRef>
+          <a:fontRef idx="minor">
+            <a:schemeClr val="tx1"/>
+          </a:fontRef>
+        </p:style>
+      </p:cxnSp>
+      <p:sp>
+        <p:nvSpPr>
+          <p:cNvPr id="32" name="TextBox 31">
+            <a:extLst>
+              <a:ext uri="{FF2B5EF4-FFF2-40B4-BE49-F238E27FC236}">
+                <a16:creationId xmlns:a16="http://schemas.microsoft.com/office/drawing/2014/main" id="{D1B33E80-C3FF-7D6B-AAFA-C692316E53A8}"/>
+              </a:ext>
+            </a:extLst>
+          </p:cNvPr>
+          <p:cNvSpPr txBox="1"/>
+          <p:nvPr/>
+        </p:nvSpPr>
+        <p:spPr>
+          <a:xfrm>
+            <a:off x="7634287" y="1568743"/>
+            <a:ext cx="1240468" cy="369332"/>
+          </a:xfrm>
+          <a:prstGeom prst="rect">
+            <a:avLst/>
+          </a:prstGeom>
+          <a:noFill/>
+        </p:spPr>
+        <p:txBody>
+          <a:bodyPr wrap="none" rtlCol="0">
+            <a:spAutoFit/>
+          </a:bodyPr>
+          <a:lstStyle/>
+          <a:p>
+            <a:r>
+              <a:rPr lang="en-US" b="1" dirty="0"/>
+              <a:t>Final Data</a:t>
+            </a:r>
+            <a:endParaRPr lang="en-CA" b="1" dirty="0"/>
+          </a:p>
+        </p:txBody>
+      </p:sp>
+      <p:cxnSp>
+        <p:nvCxnSpPr>
+          <p:cNvPr id="33" name="Straight Arrow Connector 32">
+            <a:extLst>
+              <a:ext uri="{FF2B5EF4-FFF2-40B4-BE49-F238E27FC236}">
+                <a16:creationId xmlns:a16="http://schemas.microsoft.com/office/drawing/2014/main" id="{2369BCC1-0D6A-A1C2-34DC-0474722FA09B}"/>
+              </a:ext>
+            </a:extLst>
+          </p:cNvPr>
+          <p:cNvCxnSpPr>
+            <a:cxnSpLocks/>
+            <a:endCxn id="27" idx="0"/>
+          </p:cNvCxnSpPr>
+          <p:nvPr/>
+        </p:nvCxnSpPr>
+        <p:spPr>
+          <a:xfrm>
+            <a:off x="8148638" y="2591401"/>
+            <a:ext cx="135731" cy="1689787"/>
+          </a:xfrm>
+          <a:prstGeom prst="straightConnector1">
+            <a:avLst/>
+          </a:prstGeom>
+          <a:ln w="57150">
+            <a:solidFill>
+              <a:srgbClr val="C00000"/>
+            </a:solidFill>
+            <a:tailEnd type="triangle"/>
+          </a:ln>
+        </p:spPr>
+        <p:style>
+          <a:lnRef idx="2">
+            <a:schemeClr val="accent1"/>
+          </a:lnRef>
+          <a:fillRef idx="0">
+            <a:schemeClr val="accent1"/>
+          </a:fillRef>
+          <a:effectRef idx="1">
+            <a:schemeClr val="accent1"/>
+          </a:effectRef>
+          <a:fontRef idx="minor">
+            <a:schemeClr val="tx1"/>
+          </a:fontRef>
+        </p:style>
+      </p:cxnSp>
     </p:spTree>
     <p:extLst>
       <p:ext uri="{BB962C8B-B14F-4D97-AF65-F5344CB8AC3E}">
